--- a/Slides/Lesson8.pptx
+++ b/Slides/Lesson8.pptx
@@ -4153,6 +4153,13 @@
   <p:clrMapOvr>
     <a:masterClrMapping/>
   </p:clrMapOvr>
+  <p:timing>
+    <p:tnLst>
+      <p:par>
+        <p:cTn id="1" dur="indefinite" restart="never" nodeType="tmRoot"/>
+      </p:par>
+    </p:tnLst>
+  </p:timing>
 </p:sld>
 </file>
 
@@ -4382,6 +4389,13 @@
   <p:clrMapOvr>
     <a:masterClrMapping/>
   </p:clrMapOvr>
+  <p:timing>
+    <p:tnLst>
+      <p:par>
+        <p:cTn id="1" dur="indefinite" restart="never" nodeType="tmRoot"/>
+      </p:par>
+    </p:tnLst>
+  </p:timing>
 </p:sld>
 </file>
 
@@ -4579,7 +4593,7 @@
         </p:spPr>
         <p:txBody>
           <a:bodyPr>
-            <a:normAutofit/>
+            <a:normAutofit fontScale="92500" lnSpcReduction="20000"/>
           </a:bodyPr>
           <a:lstStyle/>
           <a:p>
@@ -4640,7 +4654,7 @@
               <a:buNone/>
             </a:pPr>
             <a:r>
-              <a:rPr lang="en-US" dirty="0">
+              <a:rPr lang="en-US" dirty="0" smtClean="0">
                 <a:solidFill>
                   <a:srgbClr val="0070C0"/>
                 </a:solidFill>
@@ -4664,7 +4678,7 @@
                 <a:ea typeface="Consolas" charset="0"/>
                 <a:cs typeface="Consolas" charset="0"/>
               </a:rPr>
-              <a:t>   </a:t>
+              <a:t> </a:t>
             </a:r>
             <a:r>
               <a:rPr lang="en-US" dirty="0" smtClean="0">
@@ -4675,7 +4689,69 @@
                 <a:ea typeface="Consolas" charset="0"/>
                 <a:cs typeface="Consolas" charset="0"/>
               </a:rPr>
-              <a:t>return x &lt; y ? x : y ;</a:t>
+              <a:t>  float result;</a:t>
+            </a:r>
+            <a:endParaRPr lang="en-US" dirty="0">
+              <a:solidFill>
+                <a:srgbClr val="0070C0"/>
+              </a:solidFill>
+              <a:latin typeface="Consolas" charset="0"/>
+              <a:ea typeface="Consolas" charset="0"/>
+              <a:cs typeface="Consolas" charset="0"/>
+            </a:endParaRPr>
+          </a:p>
+          <a:p>
+            <a:pPr marL="114300" indent="0">
+              <a:buNone/>
+            </a:pPr>
+            <a:r>
+              <a:rPr lang="en-US" dirty="0">
+                <a:solidFill>
+                  <a:srgbClr val="0070C0"/>
+                </a:solidFill>
+                <a:latin typeface="Consolas" charset="0"/>
+                <a:ea typeface="Consolas" charset="0"/>
+                <a:cs typeface="Consolas" charset="0"/>
+              </a:rPr>
+              <a:t>   </a:t>
+            </a:r>
+            <a:r>
+              <a:rPr lang="en-US" dirty="0" smtClean="0">
+                <a:solidFill>
+                  <a:srgbClr val="0070C0"/>
+                </a:solidFill>
+                <a:latin typeface="Consolas" charset="0"/>
+                <a:ea typeface="Consolas" charset="0"/>
+                <a:cs typeface="Consolas" charset="0"/>
+              </a:rPr>
+              <a:t>result = x &lt; y ? x : y ;</a:t>
+            </a:r>
+          </a:p>
+          <a:p>
+            <a:pPr marL="114300" indent="0">
+              <a:buNone/>
+            </a:pPr>
+            <a:r>
+              <a:rPr lang="en-US" dirty="0">
+                <a:solidFill>
+                  <a:srgbClr val="0070C0"/>
+                </a:solidFill>
+                <a:latin typeface="Consolas" charset="0"/>
+                <a:ea typeface="Consolas" charset="0"/>
+                <a:cs typeface="Consolas" charset="0"/>
+              </a:rPr>
+              <a:t> </a:t>
+            </a:r>
+            <a:r>
+              <a:rPr lang="en-US" dirty="0" smtClean="0">
+                <a:solidFill>
+                  <a:srgbClr val="0070C0"/>
+                </a:solidFill>
+                <a:latin typeface="Consolas" charset="0"/>
+                <a:ea typeface="Consolas" charset="0"/>
+                <a:cs typeface="Consolas" charset="0"/>
+              </a:rPr>
+              <a:t>  return result;</a:t>
             </a:r>
           </a:p>
           <a:p>
@@ -4717,6 +4793,13 @@
   <p:clrMapOvr>
     <a:masterClrMapping/>
   </p:clrMapOvr>
+  <p:timing>
+    <p:tnLst>
+      <p:par>
+        <p:cTn id="1" dur="indefinite" restart="never" nodeType="tmRoot"/>
+      </p:par>
+    </p:tnLst>
+  </p:timing>
 </p:sld>
 </file>
 
@@ -4825,6 +4908,13 @@
   <p:clrMapOvr>
     <a:masterClrMapping/>
   </p:clrMapOvr>
+  <p:timing>
+    <p:tnLst>
+      <p:par>
+        <p:cTn id="1" dur="indefinite" restart="never" nodeType="tmRoot"/>
+      </p:par>
+    </p:tnLst>
+  </p:timing>
 </p:sld>
 </file>
 
@@ -4915,6 +5005,13 @@
   <p:clrMapOvr>
     <a:masterClrMapping/>
   </p:clrMapOvr>
+  <p:timing>
+    <p:tnLst>
+      <p:par>
+        <p:cTn id="1" dur="indefinite" restart="never" nodeType="tmRoot"/>
+      </p:par>
+    </p:tnLst>
+  </p:timing>
 </p:sld>
 </file>
 
@@ -4986,6 +5083,13 @@
   <p:clrMapOvr>
     <a:masterClrMapping/>
   </p:clrMapOvr>
+  <p:timing>
+    <p:tnLst>
+      <p:par>
+        <p:cTn id="1" dur="indefinite" restart="never" nodeType="tmRoot"/>
+      </p:par>
+    </p:tnLst>
+  </p:timing>
 </p:sld>
 </file>
 
@@ -5117,6 +5221,13 @@
   <p:clrMapOvr>
     <a:masterClrMapping/>
   </p:clrMapOvr>
+  <p:timing>
+    <p:tnLst>
+      <p:par>
+        <p:cTn id="1" dur="indefinite" restart="never" nodeType="tmRoot"/>
+      </p:par>
+    </p:tnLst>
+  </p:timing>
 </p:sld>
 </file>
 
@@ -5433,6 +5544,13 @@
   <p:clrMapOvr>
     <a:masterClrMapping/>
   </p:clrMapOvr>
+  <p:timing>
+    <p:tnLst>
+      <p:par>
+        <p:cTn id="1" dur="indefinite" restart="never" nodeType="tmRoot"/>
+      </p:par>
+    </p:tnLst>
+  </p:timing>
 </p:sld>
 </file>
 
@@ -5505,6 +5623,13 @@
   <p:clrMapOvr>
     <a:masterClrMapping/>
   </p:clrMapOvr>
+  <p:timing>
+    <p:tnLst>
+      <p:par>
+        <p:cTn id="1" dur="indefinite" restart="never" nodeType="tmRoot"/>
+      </p:par>
+    </p:tnLst>
+  </p:timing>
 </p:sld>
 </file>
 
@@ -5619,6 +5744,13 @@
   <p:clrMapOvr>
     <a:masterClrMapping/>
   </p:clrMapOvr>
+  <p:timing>
+    <p:tnLst>
+      <p:par>
+        <p:cTn id="1" dur="indefinite" restart="never" nodeType="tmRoot"/>
+      </p:par>
+    </p:tnLst>
+  </p:timing>
 </p:sld>
 </file>
 
@@ -5860,6 +5992,13 @@
   <p:clrMapOvr>
     <a:masterClrMapping/>
   </p:clrMapOvr>
+  <p:timing>
+    <p:tnLst>
+      <p:par>
+        <p:cTn id="1" dur="indefinite" restart="never" nodeType="tmRoot"/>
+      </p:par>
+    </p:tnLst>
+  </p:timing>
 </p:sld>
 </file>
 
@@ -5983,6 +6122,13 @@
   <p:clrMapOvr>
     <a:masterClrMapping/>
   </p:clrMapOvr>
+  <p:timing>
+    <p:tnLst>
+      <p:par>
+        <p:cTn id="1" dur="indefinite" restart="never" nodeType="tmRoot"/>
+      </p:par>
+    </p:tnLst>
+  </p:timing>
 </p:sld>
 </file>
 
@@ -6078,6 +6224,13 @@
   <p:clrMapOvr>
     <a:masterClrMapping/>
   </p:clrMapOvr>
+  <p:timing>
+    <p:tnLst>
+      <p:par>
+        <p:cTn id="1" dur="indefinite" restart="never" nodeType="tmRoot"/>
+      </p:par>
+    </p:tnLst>
+  </p:timing>
 </p:sld>
 </file>
 
@@ -6170,6 +6323,19 @@
               <a:rPr lang="en-US" dirty="0" smtClean="0"/>
               <a:t>By reference we pass the **address** of the variable in memory so that we can change it. </a:t>
             </a:r>
+          </a:p>
+          <a:p>
+            <a:r>
+              <a:rPr lang="en-US" dirty="0" smtClean="0"/>
+              <a:t>See example:</a:t>
+            </a:r>
+          </a:p>
+          <a:p>
+            <a:pPr lvl="1"/>
+            <a:r>
+              <a:rPr lang="en-US" dirty="0" err="1" smtClean="0"/>
+              <a:t>Passby.c</a:t>
+            </a:r>
             <a:endParaRPr lang="en-US" dirty="0"/>
           </a:p>
         </p:txBody>
@@ -6184,6 +6350,13 @@
   <p:clrMapOvr>
     <a:masterClrMapping/>
   </p:clrMapOvr>
+  <p:timing>
+    <p:tnLst>
+      <p:par>
+        <p:cTn id="1" dur="indefinite" restart="never" nodeType="tmRoot"/>
+      </p:par>
+    </p:tnLst>
+  </p:timing>
 </p:sld>
 </file>
 
@@ -6838,6 +7011,13 @@
   <p:clrMapOvr>
     <a:masterClrMapping/>
   </p:clrMapOvr>
+  <p:timing>
+    <p:tnLst>
+      <p:par>
+        <p:cTn id="1" dur="indefinite" restart="never" nodeType="tmRoot"/>
+      </p:par>
+    </p:tnLst>
+  </p:timing>
 </p:sld>
 </file>
 
@@ -6925,6 +7105,13 @@
   <p:clrMapOvr>
     <a:masterClrMapping/>
   </p:clrMapOvr>
+  <p:timing>
+    <p:tnLst>
+      <p:par>
+        <p:cTn id="1" dur="indefinite" restart="never" nodeType="tmRoot"/>
+      </p:par>
+    </p:tnLst>
+  </p:timing>
 </p:sld>
 </file>
 
@@ -7045,6 +7232,13 @@
   <p:clrMapOvr>
     <a:masterClrMapping/>
   </p:clrMapOvr>
+  <p:timing>
+    <p:tnLst>
+      <p:par>
+        <p:cTn id="1" dur="indefinite" restart="never" nodeType="tmRoot"/>
+      </p:par>
+    </p:tnLst>
+  </p:timing>
 </p:sld>
 </file>
 
@@ -7300,6 +7494,13 @@
   <p:clrMapOvr>
     <a:masterClrMapping/>
   </p:clrMapOvr>
+  <p:timing>
+    <p:tnLst>
+      <p:par>
+        <p:cTn id="1" dur="indefinite" restart="never" nodeType="tmRoot"/>
+      </p:par>
+    </p:tnLst>
+  </p:timing>
 </p:sld>
 </file>
 
